--- a/组会/第二次答辩材料/后端架构展示图.pptx
+++ b/组会/第二次答辩材料/后端架构展示图.pptx
@@ -5,12 +5,10 @@
     <p:sldMasterId id="2147483648" r:id="rId1"/>
   </p:sldMasterIdLst>
   <p:notesMasterIdLst>
-    <p:notesMasterId r:id="rId5"/>
+    <p:notesMasterId r:id="rId3"/>
   </p:notesMasterIdLst>
   <p:sldIdLst>
-    <p:sldId id="257" r:id="rId2"/>
-    <p:sldId id="256" r:id="rId3"/>
-    <p:sldId id="259" r:id="rId4"/>
+    <p:sldId id="256" r:id="rId2"/>
   </p:sldIdLst>
   <p:sldSz cx="12192000" cy="6858000"/>
   <p:notesSz cx="6858000" cy="9144000"/>
@@ -464,90 +462,6 @@
     </a:lvl9pPr>
   </p:notesStyle>
 </p:notesMaster>
-</file>
-
-<file path=ppt/notesSlides/notesSlide1.xml><?xml version="1.0" encoding="utf-8"?>
-<p:notes xmlns:a="http://schemas.openxmlformats.org/drawingml/2006/main" xmlns:r="http://schemas.openxmlformats.org/officeDocument/2006/relationships" xmlns:p="http://schemas.openxmlformats.org/presentationml/2006/main">
-  <p:cSld>
-    <p:spTree>
-      <p:nvGrpSpPr>
-        <p:cNvPr id="1" name=""/>
-        <p:cNvGrpSpPr/>
-        <p:nvPr/>
-      </p:nvGrpSpPr>
-      <p:grpSpPr>
-        <a:xfrm>
-          <a:off x="0" y="0"/>
-          <a:ext cx="0" cy="0"/>
-          <a:chOff x="0" y="0"/>
-          <a:chExt cx="0" cy="0"/>
-        </a:xfrm>
-      </p:grpSpPr>
-      <p:sp>
-        <p:nvSpPr>
-          <p:cNvPr id="2" name="幻灯片图像占位符 1"/>
-          <p:cNvSpPr>
-            <a:spLocks noGrp="1" noRot="1" noChangeAspect="1"/>
-          </p:cNvSpPr>
-          <p:nvPr>
-            <p:ph type="sldImg"/>
-          </p:nvPr>
-        </p:nvSpPr>
-        <p:spPr/>
-      </p:sp>
-      <p:sp>
-        <p:nvSpPr>
-          <p:cNvPr id="3" name="备注占位符 2"/>
-          <p:cNvSpPr>
-            <a:spLocks noGrp="1"/>
-          </p:cNvSpPr>
-          <p:nvPr>
-            <p:ph type="body" idx="1"/>
-          </p:nvPr>
-        </p:nvSpPr>
-        <p:spPr/>
-        <p:txBody>
-          <a:bodyPr/>
-          <a:lstStyle/>
-          <a:p>
-            <a:endParaRPr lang="zh-CN" altLang="en-US" dirty="0"/>
-          </a:p>
-        </p:txBody>
-      </p:sp>
-      <p:sp>
-        <p:nvSpPr>
-          <p:cNvPr id="4" name="灯片编号占位符 3"/>
-          <p:cNvSpPr>
-            <a:spLocks noGrp="1"/>
-          </p:cNvSpPr>
-          <p:nvPr>
-            <p:ph type="sldNum" sz="quarter" idx="5"/>
-          </p:nvPr>
-        </p:nvSpPr>
-        <p:spPr/>
-        <p:txBody>
-          <a:bodyPr/>
-          <a:lstStyle/>
-          <a:p>
-            <a:fld id="{250287D2-2474-4C81-946A-628AEFD1DB4E}" type="slidenum">
-              <a:rPr lang="zh-CN" altLang="en-US" smtClean="0"/>
-              <a:t>1</a:t>
-            </a:fld>
-            <a:endParaRPr lang="zh-CN" altLang="en-US"/>
-          </a:p>
-        </p:txBody>
-      </p:sp>
-    </p:spTree>
-    <p:extLst>
-      <p:ext uri="{BB962C8B-B14F-4D97-AF65-F5344CB8AC3E}">
-        <p14:creationId xmlns:p14="http://schemas.microsoft.com/office/powerpoint/2010/main" val="3394157681"/>
-      </p:ext>
-    </p:extLst>
-  </p:cSld>
-  <p:clrMapOvr>
-    <a:masterClrMapping/>
-  </p:clrMapOvr>
-</p:notes>
 </file>
 
 <file path=ppt/slideLayouts/slideLayout1.xml><?xml version="1.0" encoding="utf-8"?>
@@ -3748,304 +3662,6 @@
 </file>
 
 <file path=ppt/slides/slide1.xml><?xml version="1.0" encoding="utf-8"?>
-<p:sld xmlns:a="http://schemas.openxmlformats.org/drawingml/2006/main" xmlns:r="http://schemas.openxmlformats.org/officeDocument/2006/relationships" xmlns:p="http://schemas.openxmlformats.org/presentationml/2006/main">
-  <p:cSld>
-    <p:spTree>
-      <p:nvGrpSpPr>
-        <p:cNvPr id="1" name=""/>
-        <p:cNvGrpSpPr/>
-        <p:nvPr/>
-      </p:nvGrpSpPr>
-      <p:grpSpPr>
-        <a:xfrm>
-          <a:off x="0" y="0"/>
-          <a:ext cx="0" cy="0"/>
-          <a:chOff x="0" y="0"/>
-          <a:chExt cx="0" cy="0"/>
-        </a:xfrm>
-      </p:grpSpPr>
-      <p:sp>
-        <p:nvSpPr>
-          <p:cNvPr id="2" name="标题 1">
-            <a:extLst>
-              <a:ext uri="{FF2B5EF4-FFF2-40B4-BE49-F238E27FC236}">
-                <a16:creationId xmlns:a16="http://schemas.microsoft.com/office/drawing/2014/main" id="{A731DE57-A93D-4ED3-A7B8-2E11CADAC1DC}"/>
-              </a:ext>
-            </a:extLst>
-          </p:cNvPr>
-          <p:cNvSpPr>
-            <a:spLocks noGrp="1"/>
-          </p:cNvSpPr>
-          <p:nvPr>
-            <p:ph type="title"/>
-          </p:nvPr>
-        </p:nvSpPr>
-        <p:spPr>
-          <a:xfrm>
-            <a:off x="838200" y="329614"/>
-            <a:ext cx="10515600" cy="1325563"/>
-          </a:xfrm>
-        </p:spPr>
-        <p:txBody>
-          <a:bodyPr/>
-          <a:lstStyle/>
-          <a:p>
-            <a:pPr>
-              <a:spcBef>
-                <a:spcPts val="600"/>
-              </a:spcBef>
-            </a:pPr>
-            <a:r>
-              <a:rPr lang="zh-CN" altLang="en-US" b="1" dirty="0">
-                <a:solidFill>
-                  <a:srgbClr val="00B0F0"/>
-                </a:solidFill>
-                <a:effectLst>
-                  <a:outerShdw blurRad="38100" dist="38100" dir="2700000" algn="tl">
-                    <a:srgbClr val="000000">
-                      <a:alpha val="43137"/>
-                    </a:srgbClr>
-                  </a:outerShdw>
-                </a:effectLst>
-                <a:latin typeface="幼圆" panose="02010509060101010101" pitchFamily="49" charset="-122"/>
-                <a:ea typeface="幼圆" panose="02010509060101010101" pitchFamily="49" charset="-122"/>
-              </a:rPr>
-              <a:t>高性能、高可用场景带来的挑战</a:t>
-            </a:r>
-          </a:p>
-        </p:txBody>
-      </p:sp>
-      <p:sp>
-        <p:nvSpPr>
-          <p:cNvPr id="3" name="内容占位符 2">
-            <a:extLst>
-              <a:ext uri="{FF2B5EF4-FFF2-40B4-BE49-F238E27FC236}">
-                <a16:creationId xmlns:a16="http://schemas.microsoft.com/office/drawing/2014/main" id="{05D8C1C2-E960-4E6D-B147-7B1A32540C6F}"/>
-              </a:ext>
-            </a:extLst>
-          </p:cNvPr>
-          <p:cNvSpPr>
-            <a:spLocks noGrp="1"/>
-          </p:cNvSpPr>
-          <p:nvPr>
-            <p:ph idx="1"/>
-          </p:nvPr>
-        </p:nvSpPr>
-        <p:spPr>
-          <a:xfrm>
-            <a:off x="838200" y="2041863"/>
-            <a:ext cx="10515600" cy="3728622"/>
-          </a:xfrm>
-        </p:spPr>
-        <p:txBody>
-          <a:bodyPr vert="horz" lIns="91440" tIns="45720" rIns="91440" bIns="45720" rtlCol="0" anchor="ctr">
-            <a:normAutofit fontScale="85000" lnSpcReduction="10000"/>
-          </a:bodyPr>
-          <a:lstStyle/>
-          <a:p>
-            <a:pPr>
-              <a:lnSpc>
-                <a:spcPct val="180000"/>
-              </a:lnSpc>
-              <a:spcBef>
-                <a:spcPct val="0"/>
-              </a:spcBef>
-            </a:pPr>
-            <a:r>
-              <a:rPr lang="zh-CN" altLang="en-US" dirty="0">
-                <a:solidFill>
-                  <a:srgbClr val="00B0F0"/>
-                </a:solidFill>
-                <a:latin typeface="幼圆" panose="02010509060101010101" pitchFamily="49" charset="-122"/>
-                <a:ea typeface="幼圆" panose="02010509060101010101" pitchFamily="49" charset="-122"/>
-                <a:cs typeface="+mj-cs"/>
-              </a:rPr>
-              <a:t>如何快速管理、部署服务，满足高性能、低延时的要求？</a:t>
-            </a:r>
-            <a:endParaRPr lang="en-US" altLang="zh-CN" dirty="0">
-              <a:solidFill>
-                <a:srgbClr val="00B0F0"/>
-              </a:solidFill>
-              <a:latin typeface="幼圆" panose="02010509060101010101" pitchFamily="49" charset="-122"/>
-              <a:ea typeface="幼圆" panose="02010509060101010101" pitchFamily="49" charset="-122"/>
-              <a:cs typeface="+mj-cs"/>
-            </a:endParaRPr>
-          </a:p>
-          <a:p>
-            <a:pPr>
-              <a:lnSpc>
-                <a:spcPct val="180000"/>
-              </a:lnSpc>
-              <a:spcBef>
-                <a:spcPct val="0"/>
-              </a:spcBef>
-            </a:pPr>
-            <a:r>
-              <a:rPr lang="zh-CN" altLang="en-US" dirty="0">
-                <a:solidFill>
-                  <a:srgbClr val="00B0F0"/>
-                </a:solidFill>
-                <a:latin typeface="幼圆" panose="02010509060101010101" pitchFamily="49" charset="-122"/>
-                <a:ea typeface="幼圆" panose="02010509060101010101" pitchFamily="49" charset="-122"/>
-                <a:cs typeface="+mj-cs"/>
-              </a:rPr>
-              <a:t>如何保证服务的高可用性？</a:t>
-            </a:r>
-            <a:endParaRPr lang="en-US" altLang="zh-CN" dirty="0">
-              <a:solidFill>
-                <a:srgbClr val="00B0F0"/>
-              </a:solidFill>
-              <a:latin typeface="幼圆" panose="02010509060101010101" pitchFamily="49" charset="-122"/>
-              <a:ea typeface="幼圆" panose="02010509060101010101" pitchFamily="49" charset="-122"/>
-              <a:cs typeface="+mj-cs"/>
-            </a:endParaRPr>
-          </a:p>
-          <a:p>
-            <a:pPr>
-              <a:lnSpc>
-                <a:spcPct val="180000"/>
-              </a:lnSpc>
-              <a:spcBef>
-                <a:spcPct val="0"/>
-              </a:spcBef>
-            </a:pPr>
-            <a:r>
-              <a:rPr lang="zh-CN" altLang="en-US" dirty="0">
-                <a:solidFill>
-                  <a:srgbClr val="00B0F0"/>
-                </a:solidFill>
-                <a:latin typeface="幼圆" panose="02010509060101010101" pitchFamily="49" charset="-122"/>
-                <a:ea typeface="幼圆" panose="02010509060101010101" pitchFamily="49" charset="-122"/>
-                <a:cs typeface="+mj-cs"/>
-              </a:rPr>
-              <a:t>如何在大数据、人工智能等高性能场景下完成高并发挑战？</a:t>
-            </a:r>
-            <a:endParaRPr lang="en-US" altLang="zh-CN" dirty="0">
-              <a:solidFill>
-                <a:srgbClr val="00B0F0"/>
-              </a:solidFill>
-              <a:latin typeface="幼圆" panose="02010509060101010101" pitchFamily="49" charset="-122"/>
-              <a:ea typeface="幼圆" panose="02010509060101010101" pitchFamily="49" charset="-122"/>
-              <a:cs typeface="+mj-cs"/>
-            </a:endParaRPr>
-          </a:p>
-          <a:p>
-            <a:pPr>
-              <a:lnSpc>
-                <a:spcPct val="180000"/>
-              </a:lnSpc>
-              <a:spcBef>
-                <a:spcPct val="0"/>
-              </a:spcBef>
-            </a:pPr>
-            <a:r>
-              <a:rPr lang="zh-CN" altLang="en-US" dirty="0">
-                <a:solidFill>
-                  <a:srgbClr val="00B0F0"/>
-                </a:solidFill>
-                <a:latin typeface="幼圆" panose="02010509060101010101" pitchFamily="49" charset="-122"/>
-                <a:ea typeface="幼圆" panose="02010509060101010101" pitchFamily="49" charset="-122"/>
-                <a:cs typeface="+mj-cs"/>
-              </a:rPr>
-              <a:t>如何监控服务数据、快速解决故障点？</a:t>
-            </a:r>
-            <a:endParaRPr lang="en-US" altLang="zh-CN" dirty="0">
-              <a:solidFill>
-                <a:srgbClr val="00B0F0"/>
-              </a:solidFill>
-              <a:latin typeface="幼圆" panose="02010509060101010101" pitchFamily="49" charset="-122"/>
-              <a:ea typeface="幼圆" panose="02010509060101010101" pitchFamily="49" charset="-122"/>
-              <a:cs typeface="+mj-cs"/>
-            </a:endParaRPr>
-          </a:p>
-          <a:p>
-            <a:pPr>
-              <a:lnSpc>
-                <a:spcPct val="180000"/>
-              </a:lnSpc>
-              <a:spcBef>
-                <a:spcPct val="0"/>
-              </a:spcBef>
-            </a:pPr>
-            <a:r>
-              <a:rPr lang="zh-CN" altLang="en-US" dirty="0">
-                <a:solidFill>
-                  <a:srgbClr val="00B0F0"/>
-                </a:solidFill>
-                <a:latin typeface="幼圆" panose="02010509060101010101" pitchFamily="49" charset="-122"/>
-                <a:ea typeface="幼圆" panose="02010509060101010101" pitchFamily="49" charset="-122"/>
-                <a:cs typeface="+mj-cs"/>
-              </a:rPr>
-              <a:t>如何实现服务自动扩缩容和服务降级，实现服务弹性、节省计算成本？</a:t>
-            </a:r>
-            <a:endParaRPr lang="en-US" altLang="zh-CN" dirty="0">
-              <a:solidFill>
-                <a:srgbClr val="00B0F0"/>
-              </a:solidFill>
-              <a:latin typeface="幼圆" panose="02010509060101010101" pitchFamily="49" charset="-122"/>
-              <a:ea typeface="幼圆" panose="02010509060101010101" pitchFamily="49" charset="-122"/>
-              <a:cs typeface="+mj-cs"/>
-            </a:endParaRPr>
-          </a:p>
-          <a:p>
-            <a:pPr>
-              <a:lnSpc>
-                <a:spcPct val="180000"/>
-              </a:lnSpc>
-              <a:spcBef>
-                <a:spcPct val="0"/>
-              </a:spcBef>
-            </a:pPr>
-            <a:r>
-              <a:rPr lang="zh-CN" altLang="en-US" dirty="0">
-                <a:solidFill>
-                  <a:srgbClr val="00B0F0"/>
-                </a:solidFill>
-                <a:latin typeface="幼圆" panose="02010509060101010101" pitchFamily="49" charset="-122"/>
-                <a:ea typeface="幼圆" panose="02010509060101010101" pitchFamily="49" charset="-122"/>
-                <a:cs typeface="+mj-cs"/>
-              </a:rPr>
-              <a:t>如何节省运维成本，快速 </a:t>
-            </a:r>
-            <a:r>
-              <a:rPr lang="en-US" altLang="zh-CN" dirty="0">
-                <a:solidFill>
-                  <a:srgbClr val="00B0F0"/>
-                </a:solidFill>
-                <a:latin typeface="幼圆" panose="02010509060101010101" pitchFamily="49" charset="-122"/>
-                <a:ea typeface="幼圆" panose="02010509060101010101" pitchFamily="49" charset="-122"/>
-                <a:cs typeface="+mj-cs"/>
-              </a:rPr>
-              <a:t>CI/CD</a:t>
-            </a:r>
-            <a:r>
-              <a:rPr lang="zh-CN" altLang="en-US" dirty="0">
-                <a:solidFill>
-                  <a:srgbClr val="00B0F0"/>
-                </a:solidFill>
-                <a:latin typeface="幼圆" panose="02010509060101010101" pitchFamily="49" charset="-122"/>
-                <a:ea typeface="幼圆" panose="02010509060101010101" pitchFamily="49" charset="-122"/>
-                <a:cs typeface="+mj-cs"/>
-              </a:rPr>
-              <a:t>，构造稳定的处理流程</a:t>
-            </a:r>
-          </a:p>
-        </p:txBody>
-      </p:sp>
-    </p:spTree>
-    <p:extLst>
-      <p:ext uri="{BB962C8B-B14F-4D97-AF65-F5344CB8AC3E}">
-        <p14:creationId xmlns:p14="http://schemas.microsoft.com/office/powerpoint/2010/main" val="3703176817"/>
-      </p:ext>
-    </p:extLst>
-  </p:cSld>
-  <p:clrMapOvr>
-    <a:masterClrMapping/>
-  </p:clrMapOvr>
-</p:sld>
-</file>
-
-<file path=ppt/slides/slide2.xml><?xml version="1.0" encoding="utf-8"?>
 <p:sld xmlns:a="http://schemas.openxmlformats.org/drawingml/2006/main" xmlns:r="http://schemas.openxmlformats.org/officeDocument/2006/relationships" xmlns:p="http://schemas.openxmlformats.org/presentationml/2006/main">
   <p:cSld>
     <p:spTree>
@@ -5358,417 +4974,6 @@
     <p:extLst>
       <p:ext uri="{BB962C8B-B14F-4D97-AF65-F5344CB8AC3E}">
         <p14:creationId xmlns:p14="http://schemas.microsoft.com/office/powerpoint/2010/main" val="3431543081"/>
-      </p:ext>
-    </p:extLst>
-  </p:cSld>
-  <p:clrMapOvr>
-    <a:masterClrMapping/>
-  </p:clrMapOvr>
-</p:sld>
-</file>
-
-<file path=ppt/slides/slide3.xml><?xml version="1.0" encoding="utf-8"?>
-<p:sld xmlns:a="http://schemas.openxmlformats.org/drawingml/2006/main" xmlns:r="http://schemas.openxmlformats.org/officeDocument/2006/relationships" xmlns:p="http://schemas.openxmlformats.org/presentationml/2006/main">
-  <p:cSld>
-    <p:spTree>
-      <p:nvGrpSpPr>
-        <p:cNvPr id="1" name=""/>
-        <p:cNvGrpSpPr/>
-        <p:nvPr/>
-      </p:nvGrpSpPr>
-      <p:grpSpPr>
-        <a:xfrm>
-          <a:off x="0" y="0"/>
-          <a:ext cx="0" cy="0"/>
-          <a:chOff x="0" y="0"/>
-          <a:chExt cx="0" cy="0"/>
-        </a:xfrm>
-      </p:grpSpPr>
-      <p:sp>
-        <p:nvSpPr>
-          <p:cNvPr id="2" name="标题 1">
-            <a:extLst>
-              <a:ext uri="{FF2B5EF4-FFF2-40B4-BE49-F238E27FC236}">
-                <a16:creationId xmlns:a16="http://schemas.microsoft.com/office/drawing/2014/main" id="{A731DE57-A93D-4ED3-A7B8-2E11CADAC1DC}"/>
-              </a:ext>
-            </a:extLst>
-          </p:cNvPr>
-          <p:cNvSpPr>
-            <a:spLocks noGrp="1"/>
-          </p:cNvSpPr>
-          <p:nvPr>
-            <p:ph type="title"/>
-          </p:nvPr>
-        </p:nvSpPr>
-        <p:spPr>
-          <a:xfrm>
-            <a:off x="838200" y="453137"/>
-            <a:ext cx="10515600" cy="1325563"/>
-          </a:xfrm>
-        </p:spPr>
-        <p:txBody>
-          <a:bodyPr/>
-          <a:lstStyle/>
-          <a:p>
-            <a:r>
-              <a:rPr lang="zh-CN" altLang="en-US" b="1" dirty="0">
-                <a:solidFill>
-                  <a:srgbClr val="00B0F0"/>
-                </a:solidFill>
-                <a:effectLst>
-                  <a:outerShdw blurRad="38100" dist="38100" dir="2700000" algn="tl">
-                    <a:srgbClr val="000000">
-                      <a:alpha val="43137"/>
-                    </a:srgbClr>
-                  </a:outerShdw>
-                </a:effectLst>
-                <a:latin typeface="幼圆" panose="02010509060101010101" pitchFamily="49" charset="-122"/>
-                <a:ea typeface="幼圆" panose="02010509060101010101" pitchFamily="49" charset="-122"/>
-              </a:rPr>
-              <a:t>我们还有很多工作 </a:t>
-            </a:r>
-            <a:r>
-              <a:rPr lang="en-US" altLang="zh-CN" b="1" dirty="0">
-                <a:solidFill>
-                  <a:srgbClr val="00B0F0"/>
-                </a:solidFill>
-                <a:effectLst>
-                  <a:outerShdw blurRad="38100" dist="38100" dir="2700000" algn="tl">
-                    <a:srgbClr val="000000">
-                      <a:alpha val="43137"/>
-                    </a:srgbClr>
-                  </a:outerShdw>
-                </a:effectLst>
-                <a:latin typeface="幼圆" panose="02010509060101010101" pitchFamily="49" charset="-122"/>
-                <a:ea typeface="幼圆" panose="02010509060101010101" pitchFamily="49" charset="-122"/>
-              </a:rPr>
-              <a:t>…</a:t>
-            </a:r>
-            <a:endParaRPr lang="zh-CN" altLang="en-US" b="1" dirty="0">
-              <a:solidFill>
-                <a:srgbClr val="00B0F0"/>
-              </a:solidFill>
-              <a:effectLst>
-                <a:outerShdw blurRad="38100" dist="38100" dir="2700000" algn="tl">
-                  <a:srgbClr val="000000">
-                    <a:alpha val="43137"/>
-                  </a:srgbClr>
-                </a:outerShdw>
-              </a:effectLst>
-              <a:latin typeface="幼圆" panose="02010509060101010101" pitchFamily="49" charset="-122"/>
-              <a:ea typeface="幼圆" panose="02010509060101010101" pitchFamily="49" charset="-122"/>
-            </a:endParaRPr>
-          </a:p>
-        </p:txBody>
-      </p:sp>
-      <p:sp>
-        <p:nvSpPr>
-          <p:cNvPr id="4" name="内容占位符 2">
-            <a:extLst>
-              <a:ext uri="{FF2B5EF4-FFF2-40B4-BE49-F238E27FC236}">
-                <a16:creationId xmlns:a16="http://schemas.microsoft.com/office/drawing/2014/main" id="{A249E150-055A-4FF7-B9DB-983C739F25D2}"/>
-              </a:ext>
-            </a:extLst>
-          </p:cNvPr>
-          <p:cNvSpPr txBox="1">
-            <a:spLocks/>
-          </p:cNvSpPr>
-          <p:nvPr/>
-        </p:nvSpPr>
-        <p:spPr>
-          <a:xfrm>
-            <a:off x="838200" y="2020934"/>
-            <a:ext cx="10515600" cy="2595454"/>
-          </a:xfrm>
-          <a:prstGeom prst="rect">
-            <a:avLst/>
-          </a:prstGeom>
-        </p:spPr>
-        <p:txBody>
-          <a:bodyPr vert="horz" lIns="91440" tIns="45720" rIns="91440" bIns="45720" rtlCol="0">
-            <a:normAutofit/>
-          </a:bodyPr>
-          <a:lstStyle>
-            <a:lvl1pPr marL="228600" indent="-228600" algn="l" defTabSz="914400" rtl="0" eaLnBrk="1" latinLnBrk="0" hangingPunct="1">
-              <a:lnSpc>
-                <a:spcPct val="90000"/>
-              </a:lnSpc>
-              <a:spcBef>
-                <a:spcPts val="1000"/>
-              </a:spcBef>
-              <a:buFont typeface="Arial" panose="020B0604020202020204" pitchFamily="34" charset="0"/>
-              <a:buChar char="•"/>
-              <a:defRPr sz="2800" kern="1200">
-                <a:solidFill>
-                  <a:schemeClr val="tx1"/>
-                </a:solidFill>
-                <a:latin typeface="+mn-lt"/>
-                <a:ea typeface="+mn-ea"/>
-                <a:cs typeface="+mn-cs"/>
-              </a:defRPr>
-            </a:lvl1pPr>
-            <a:lvl2pPr marL="685800" indent="-228600" algn="l" defTabSz="914400" rtl="0" eaLnBrk="1" latinLnBrk="0" hangingPunct="1">
-              <a:lnSpc>
-                <a:spcPct val="90000"/>
-              </a:lnSpc>
-              <a:spcBef>
-                <a:spcPts val="500"/>
-              </a:spcBef>
-              <a:buFont typeface="Arial" panose="020B0604020202020204" pitchFamily="34" charset="0"/>
-              <a:buChar char="•"/>
-              <a:defRPr sz="2400" kern="1200">
-                <a:solidFill>
-                  <a:schemeClr val="tx1"/>
-                </a:solidFill>
-                <a:latin typeface="+mn-lt"/>
-                <a:ea typeface="+mn-ea"/>
-                <a:cs typeface="+mn-cs"/>
-              </a:defRPr>
-            </a:lvl2pPr>
-            <a:lvl3pPr marL="1143000" indent="-228600" algn="l" defTabSz="914400" rtl="0" eaLnBrk="1" latinLnBrk="0" hangingPunct="1">
-              <a:lnSpc>
-                <a:spcPct val="90000"/>
-              </a:lnSpc>
-              <a:spcBef>
-                <a:spcPts val="500"/>
-              </a:spcBef>
-              <a:buFont typeface="Arial" panose="020B0604020202020204" pitchFamily="34" charset="0"/>
-              <a:buChar char="•"/>
-              <a:defRPr sz="2000" kern="1200">
-                <a:solidFill>
-                  <a:schemeClr val="tx1"/>
-                </a:solidFill>
-                <a:latin typeface="+mn-lt"/>
-                <a:ea typeface="+mn-ea"/>
-                <a:cs typeface="+mn-cs"/>
-              </a:defRPr>
-            </a:lvl3pPr>
-            <a:lvl4pPr marL="1600200" indent="-228600" algn="l" defTabSz="914400" rtl="0" eaLnBrk="1" latinLnBrk="0" hangingPunct="1">
-              <a:lnSpc>
-                <a:spcPct val="90000"/>
-              </a:lnSpc>
-              <a:spcBef>
-                <a:spcPts val="500"/>
-              </a:spcBef>
-              <a:buFont typeface="Arial" panose="020B0604020202020204" pitchFamily="34" charset="0"/>
-              <a:buChar char="•"/>
-              <a:defRPr sz="1800" kern="1200">
-                <a:solidFill>
-                  <a:schemeClr val="tx1"/>
-                </a:solidFill>
-                <a:latin typeface="+mn-lt"/>
-                <a:ea typeface="+mn-ea"/>
-                <a:cs typeface="+mn-cs"/>
-              </a:defRPr>
-            </a:lvl4pPr>
-            <a:lvl5pPr marL="2057400" indent="-228600" algn="l" defTabSz="914400" rtl="0" eaLnBrk="1" latinLnBrk="0" hangingPunct="1">
-              <a:lnSpc>
-                <a:spcPct val="90000"/>
-              </a:lnSpc>
-              <a:spcBef>
-                <a:spcPts val="500"/>
-              </a:spcBef>
-              <a:buFont typeface="Arial" panose="020B0604020202020204" pitchFamily="34" charset="0"/>
-              <a:buChar char="•"/>
-              <a:defRPr sz="1800" kern="1200">
-                <a:solidFill>
-                  <a:schemeClr val="tx1"/>
-                </a:solidFill>
-                <a:latin typeface="+mn-lt"/>
-                <a:ea typeface="+mn-ea"/>
-                <a:cs typeface="+mn-cs"/>
-              </a:defRPr>
-            </a:lvl5pPr>
-            <a:lvl6pPr marL="2514600" indent="-228600" algn="l" defTabSz="914400" rtl="0" eaLnBrk="1" latinLnBrk="0" hangingPunct="1">
-              <a:lnSpc>
-                <a:spcPct val="90000"/>
-              </a:lnSpc>
-              <a:spcBef>
-                <a:spcPts val="500"/>
-              </a:spcBef>
-              <a:buFont typeface="Arial" panose="020B0604020202020204" pitchFamily="34" charset="0"/>
-              <a:buChar char="•"/>
-              <a:defRPr sz="1800" kern="1200">
-                <a:solidFill>
-                  <a:schemeClr val="tx1"/>
-                </a:solidFill>
-                <a:latin typeface="+mn-lt"/>
-                <a:ea typeface="+mn-ea"/>
-                <a:cs typeface="+mn-cs"/>
-              </a:defRPr>
-            </a:lvl6pPr>
-            <a:lvl7pPr marL="2971800" indent="-228600" algn="l" defTabSz="914400" rtl="0" eaLnBrk="1" latinLnBrk="0" hangingPunct="1">
-              <a:lnSpc>
-                <a:spcPct val="90000"/>
-              </a:lnSpc>
-              <a:spcBef>
-                <a:spcPts val="500"/>
-              </a:spcBef>
-              <a:buFont typeface="Arial" panose="020B0604020202020204" pitchFamily="34" charset="0"/>
-              <a:buChar char="•"/>
-              <a:defRPr sz="1800" kern="1200">
-                <a:solidFill>
-                  <a:schemeClr val="tx1"/>
-                </a:solidFill>
-                <a:latin typeface="+mn-lt"/>
-                <a:ea typeface="+mn-ea"/>
-                <a:cs typeface="+mn-cs"/>
-              </a:defRPr>
-            </a:lvl7pPr>
-            <a:lvl8pPr marL="3429000" indent="-228600" algn="l" defTabSz="914400" rtl="0" eaLnBrk="1" latinLnBrk="0" hangingPunct="1">
-              <a:lnSpc>
-                <a:spcPct val="90000"/>
-              </a:lnSpc>
-              <a:spcBef>
-                <a:spcPts val="500"/>
-              </a:spcBef>
-              <a:buFont typeface="Arial" panose="020B0604020202020204" pitchFamily="34" charset="0"/>
-              <a:buChar char="•"/>
-              <a:defRPr sz="1800" kern="1200">
-                <a:solidFill>
-                  <a:schemeClr val="tx1"/>
-                </a:solidFill>
-                <a:latin typeface="+mn-lt"/>
-                <a:ea typeface="+mn-ea"/>
-                <a:cs typeface="+mn-cs"/>
-              </a:defRPr>
-            </a:lvl8pPr>
-            <a:lvl9pPr marL="3886200" indent="-228600" algn="l" defTabSz="914400" rtl="0" eaLnBrk="1" latinLnBrk="0" hangingPunct="1">
-              <a:lnSpc>
-                <a:spcPct val="90000"/>
-              </a:lnSpc>
-              <a:spcBef>
-                <a:spcPts val="500"/>
-              </a:spcBef>
-              <a:buFont typeface="Arial" panose="020B0604020202020204" pitchFamily="34" charset="0"/>
-              <a:buChar char="•"/>
-              <a:defRPr sz="1800" kern="1200">
-                <a:solidFill>
-                  <a:schemeClr val="tx1"/>
-                </a:solidFill>
-                <a:latin typeface="+mn-lt"/>
-                <a:ea typeface="+mn-ea"/>
-                <a:cs typeface="+mn-cs"/>
-              </a:defRPr>
-            </a:lvl9pPr>
-          </a:lstStyle>
-          <a:p>
-            <a:pPr>
-              <a:lnSpc>
-                <a:spcPct val="170000"/>
-              </a:lnSpc>
-              <a:spcBef>
-                <a:spcPct val="0"/>
-              </a:spcBef>
-            </a:pPr>
-            <a:r>
-              <a:rPr lang="zh-CN" altLang="en-US" sz="2400" dirty="0">
-                <a:solidFill>
-                  <a:srgbClr val="00B0F0"/>
-                </a:solidFill>
-                <a:latin typeface="幼圆" panose="02010509060101010101" pitchFamily="49" charset="-122"/>
-                <a:ea typeface="幼圆" panose="02010509060101010101" pitchFamily="49" charset="-122"/>
-                <a:cs typeface="+mj-cs"/>
-              </a:rPr>
-              <a:t>高级功能的人工智能算法实践与落地</a:t>
-            </a:r>
-            <a:endParaRPr lang="en-US" altLang="zh-CN" sz="2400" dirty="0">
-              <a:solidFill>
-                <a:srgbClr val="00B0F0"/>
-              </a:solidFill>
-              <a:latin typeface="幼圆" panose="02010509060101010101" pitchFamily="49" charset="-122"/>
-              <a:ea typeface="幼圆" panose="02010509060101010101" pitchFamily="49" charset="-122"/>
-              <a:cs typeface="+mj-cs"/>
-            </a:endParaRPr>
-          </a:p>
-          <a:p>
-            <a:pPr>
-              <a:lnSpc>
-                <a:spcPct val="170000"/>
-              </a:lnSpc>
-              <a:spcBef>
-                <a:spcPct val="0"/>
-              </a:spcBef>
-            </a:pPr>
-            <a:r>
-              <a:rPr lang="zh-CN" altLang="en-US" sz="2400" dirty="0">
-                <a:solidFill>
-                  <a:srgbClr val="00B0F0"/>
-                </a:solidFill>
-                <a:latin typeface="幼圆" panose="02010509060101010101" pitchFamily="49" charset="-122"/>
-                <a:ea typeface="幼圆" panose="02010509060101010101" pitchFamily="49" charset="-122"/>
-                <a:cs typeface="+mj-cs"/>
-              </a:rPr>
-              <a:t>超高并发下的服务弹性挑战</a:t>
-            </a:r>
-            <a:endParaRPr lang="en-US" altLang="zh-CN" sz="2400" dirty="0">
-              <a:solidFill>
-                <a:srgbClr val="00B0F0"/>
-              </a:solidFill>
-              <a:latin typeface="幼圆" panose="02010509060101010101" pitchFamily="49" charset="-122"/>
-              <a:ea typeface="幼圆" panose="02010509060101010101" pitchFamily="49" charset="-122"/>
-              <a:cs typeface="+mj-cs"/>
-            </a:endParaRPr>
-          </a:p>
-          <a:p>
-            <a:pPr>
-              <a:lnSpc>
-                <a:spcPct val="170000"/>
-              </a:lnSpc>
-              <a:spcBef>
-                <a:spcPct val="0"/>
-              </a:spcBef>
-            </a:pPr>
-            <a:r>
-              <a:rPr lang="zh-CN" altLang="en-US" sz="2400" dirty="0">
-                <a:solidFill>
-                  <a:srgbClr val="00B0F0"/>
-                </a:solidFill>
-                <a:latin typeface="幼圆" panose="02010509060101010101" pitchFamily="49" charset="-122"/>
-                <a:ea typeface="幼圆" panose="02010509060101010101" pitchFamily="49" charset="-122"/>
-                <a:cs typeface="+mj-cs"/>
-              </a:rPr>
-              <a:t>完善的缓存数据同步与管理机制，保证最终一致性</a:t>
-            </a:r>
-            <a:endParaRPr lang="en-US" altLang="zh-CN" sz="2400" dirty="0">
-              <a:solidFill>
-                <a:srgbClr val="00B0F0"/>
-              </a:solidFill>
-              <a:latin typeface="幼圆" panose="02010509060101010101" pitchFamily="49" charset="-122"/>
-              <a:ea typeface="幼圆" panose="02010509060101010101" pitchFamily="49" charset="-122"/>
-              <a:cs typeface="+mj-cs"/>
-            </a:endParaRPr>
-          </a:p>
-          <a:p>
-            <a:pPr>
-              <a:lnSpc>
-                <a:spcPct val="170000"/>
-              </a:lnSpc>
-              <a:spcBef>
-                <a:spcPct val="0"/>
-              </a:spcBef>
-            </a:pPr>
-            <a:r>
-              <a:rPr lang="en-US" altLang="zh-CN" sz="2400" dirty="0">
-                <a:solidFill>
-                  <a:srgbClr val="00B0F0"/>
-                </a:solidFill>
-                <a:latin typeface="幼圆" panose="02010509060101010101" pitchFamily="49" charset="-122"/>
-                <a:ea typeface="幼圆" panose="02010509060101010101" pitchFamily="49" charset="-122"/>
-                <a:cs typeface="+mj-cs"/>
-              </a:rPr>
-              <a:t>……</a:t>
-            </a:r>
-          </a:p>
-          <a:p>
-            <a:endParaRPr lang="zh-CN" altLang="en-US" dirty="0"/>
-          </a:p>
-        </p:txBody>
-      </p:sp>
-    </p:spTree>
-    <p:extLst>
-      <p:ext uri="{BB962C8B-B14F-4D97-AF65-F5344CB8AC3E}">
-        <p14:creationId xmlns:p14="http://schemas.microsoft.com/office/powerpoint/2010/main" val="3204472853"/>
       </p:ext>
     </p:extLst>
   </p:cSld>

--- a/组会/第二次答辩材料/后端架构展示图.pptx
+++ b/组会/第二次答辩材料/后端架构展示图.pptx
@@ -197,7 +197,7 @@
           <a:p>
             <a:fld id="{453F4953-71FB-4223-AC45-2CA5AD7CB199}" type="datetimeFigureOut">
               <a:rPr lang="zh-CN" altLang="en-US" smtClean="0"/>
-              <a:t>2020-11-20</a:t>
+              <a:t>2021-1-7</a:t>
             </a:fld>
             <a:endParaRPr lang="zh-CN" altLang="en-US"/>
           </a:p>
@@ -611,7 +611,7 @@
           <a:p>
             <a:fld id="{5B5BD2BC-6BCB-4F01-8F76-2A4DE3B81888}" type="datetimeFigureOut">
               <a:rPr lang="zh-CN" altLang="en-US" smtClean="0"/>
-              <a:t>2020-11-20</a:t>
+              <a:t>2021-1-7</a:t>
             </a:fld>
             <a:endParaRPr lang="zh-CN" altLang="en-US"/>
           </a:p>
@@ -809,7 +809,7 @@
           <a:p>
             <a:fld id="{5B5BD2BC-6BCB-4F01-8F76-2A4DE3B81888}" type="datetimeFigureOut">
               <a:rPr lang="zh-CN" altLang="en-US" smtClean="0"/>
-              <a:t>2020-11-20</a:t>
+              <a:t>2021-1-7</a:t>
             </a:fld>
             <a:endParaRPr lang="zh-CN" altLang="en-US"/>
           </a:p>
@@ -1017,7 +1017,7 @@
           <a:p>
             <a:fld id="{5B5BD2BC-6BCB-4F01-8F76-2A4DE3B81888}" type="datetimeFigureOut">
               <a:rPr lang="zh-CN" altLang="en-US" smtClean="0"/>
-              <a:t>2020-11-20</a:t>
+              <a:t>2021-1-7</a:t>
             </a:fld>
             <a:endParaRPr lang="zh-CN" altLang="en-US"/>
           </a:p>
@@ -1215,7 +1215,7 @@
           <a:p>
             <a:fld id="{5B5BD2BC-6BCB-4F01-8F76-2A4DE3B81888}" type="datetimeFigureOut">
               <a:rPr lang="zh-CN" altLang="en-US" smtClean="0"/>
-              <a:t>2020-11-20</a:t>
+              <a:t>2021-1-7</a:t>
             </a:fld>
             <a:endParaRPr lang="zh-CN" altLang="en-US"/>
           </a:p>
@@ -1490,7 +1490,7 @@
           <a:p>
             <a:fld id="{5B5BD2BC-6BCB-4F01-8F76-2A4DE3B81888}" type="datetimeFigureOut">
               <a:rPr lang="zh-CN" altLang="en-US" smtClean="0"/>
-              <a:t>2020-11-20</a:t>
+              <a:t>2021-1-7</a:t>
             </a:fld>
             <a:endParaRPr lang="zh-CN" altLang="en-US"/>
           </a:p>
@@ -1755,7 +1755,7 @@
           <a:p>
             <a:fld id="{5B5BD2BC-6BCB-4F01-8F76-2A4DE3B81888}" type="datetimeFigureOut">
               <a:rPr lang="zh-CN" altLang="en-US" smtClean="0"/>
-              <a:t>2020-11-20</a:t>
+              <a:t>2021-1-7</a:t>
             </a:fld>
             <a:endParaRPr lang="zh-CN" altLang="en-US"/>
           </a:p>
@@ -2167,7 +2167,7 @@
           <a:p>
             <a:fld id="{5B5BD2BC-6BCB-4F01-8F76-2A4DE3B81888}" type="datetimeFigureOut">
               <a:rPr lang="zh-CN" altLang="en-US" smtClean="0"/>
-              <a:t>2020-11-20</a:t>
+              <a:t>2021-1-7</a:t>
             </a:fld>
             <a:endParaRPr lang="zh-CN" altLang="en-US"/>
           </a:p>
@@ -2308,7 +2308,7 @@
           <a:p>
             <a:fld id="{5B5BD2BC-6BCB-4F01-8F76-2A4DE3B81888}" type="datetimeFigureOut">
               <a:rPr lang="zh-CN" altLang="en-US" smtClean="0"/>
-              <a:t>2020-11-20</a:t>
+              <a:t>2021-1-7</a:t>
             </a:fld>
             <a:endParaRPr lang="zh-CN" altLang="en-US"/>
           </a:p>
@@ -2421,7 +2421,7 @@
           <a:p>
             <a:fld id="{5B5BD2BC-6BCB-4F01-8F76-2A4DE3B81888}" type="datetimeFigureOut">
               <a:rPr lang="zh-CN" altLang="en-US" smtClean="0"/>
-              <a:t>2020-11-20</a:t>
+              <a:t>2021-1-7</a:t>
             </a:fld>
             <a:endParaRPr lang="zh-CN" altLang="en-US"/>
           </a:p>
@@ -2732,7 +2732,7 @@
           <a:p>
             <a:fld id="{5B5BD2BC-6BCB-4F01-8F76-2A4DE3B81888}" type="datetimeFigureOut">
               <a:rPr lang="zh-CN" altLang="en-US" smtClean="0"/>
-              <a:t>2020-11-20</a:t>
+              <a:t>2021-1-7</a:t>
             </a:fld>
             <a:endParaRPr lang="zh-CN" altLang="en-US"/>
           </a:p>
@@ -3020,7 +3020,7 @@
           <a:p>
             <a:fld id="{5B5BD2BC-6BCB-4F01-8F76-2A4DE3B81888}" type="datetimeFigureOut">
               <a:rPr lang="zh-CN" altLang="en-US" smtClean="0"/>
-              <a:t>2020-11-20</a:t>
+              <a:t>2021-1-7</a:t>
             </a:fld>
             <a:endParaRPr lang="zh-CN" altLang="en-US"/>
           </a:p>
@@ -3261,7 +3261,7 @@
           <a:p>
             <a:fld id="{5B5BD2BC-6BCB-4F01-8F76-2A4DE3B81888}" type="datetimeFigureOut">
               <a:rPr lang="zh-CN" altLang="en-US" smtClean="0"/>
-              <a:t>2020-11-20</a:t>
+              <a:t>2021-1-7</a:t>
             </a:fld>
             <a:endParaRPr lang="zh-CN" altLang="en-US"/>
           </a:p>
@@ -3787,7 +3787,7 @@
           <p:spPr>
             <a:xfrm>
               <a:off x="1130019" y="2682382"/>
-              <a:ext cx="492847" cy="539342"/>
+              <a:ext cx="472439" cy="539342"/>
             </a:xfrm>
             <a:prstGeom prst="rect">
               <a:avLst/>
@@ -3816,7 +3816,7 @@
           </p:blipFill>
           <p:spPr>
             <a:xfrm>
-              <a:off x="1983609" y="2692617"/>
+              <a:off x="2053997" y="2692617"/>
               <a:ext cx="563614" cy="529107"/>
             </a:xfrm>
             <a:prstGeom prst="rect">
@@ -4137,51 +4137,6 @@
         </p:pic>
         <p:pic>
           <p:nvPicPr>
-            <p:cNvPr id="1026" name="Picture 2">
-              <a:extLst>
-                <a:ext uri="{FF2B5EF4-FFF2-40B4-BE49-F238E27FC236}">
-                  <a16:creationId xmlns:a16="http://schemas.microsoft.com/office/drawing/2014/main" id="{1C89ADA0-5D43-4B86-95F5-B1939EFD2DF8}"/>
-                </a:ext>
-              </a:extLst>
-            </p:cNvPr>
-            <p:cNvPicPr>
-              <a:picLocks noChangeAspect="1" noChangeArrowheads="1"/>
-            </p:cNvPicPr>
-            <p:nvPr/>
-          </p:nvPicPr>
-          <p:blipFill rotWithShape="1">
-            <a:blip r:embed="rId8">
-              <a:extLst>
-                <a:ext uri="{28A0092B-C50C-407E-A947-70E740481C1C}">
-                  <a14:useLocalDpi xmlns:a14="http://schemas.microsoft.com/office/drawing/2010/main" val="0"/>
-                </a:ext>
-              </a:extLst>
-            </a:blip>
-            <a:srcRect r="6073" b="6207"/>
-            <a:stretch/>
-          </p:blipFill>
-          <p:spPr bwMode="auto">
-            <a:xfrm>
-              <a:off x="9253771" y="5189268"/>
-              <a:ext cx="604837" cy="603975"/>
-            </a:xfrm>
-            <a:prstGeom prst="rect">
-              <a:avLst/>
-            </a:prstGeom>
-            <a:noFill/>
-            <a:extLst>
-              <a:ext uri="{909E8E84-426E-40DD-AFC4-6F175D3DCCD1}">
-                <a14:hiddenFill xmlns:a14="http://schemas.microsoft.com/office/drawing/2010/main">
-                  <a:solidFill>
-                    <a:srgbClr val="FFFFFF"/>
-                  </a:solidFill>
-                </a14:hiddenFill>
-              </a:ext>
-            </a:extLst>
-          </p:spPr>
-        </p:pic>
-        <p:pic>
-          <p:nvPicPr>
             <p:cNvPr id="19" name="图片 18">
               <a:extLst>
                 <a:ext uri="{FF2B5EF4-FFF2-40B4-BE49-F238E27FC236}">
@@ -4195,7 +4150,7 @@
             <p:nvPr/>
           </p:nvPicPr>
           <p:blipFill>
-            <a:blip r:embed="rId9"/>
+            <a:blip r:embed="rId8"/>
             <a:stretch>
               <a:fillRect/>
             </a:stretch>
@@ -4225,7 +4180,7 @@
             <p:nvPr/>
           </p:nvPicPr>
           <p:blipFill>
-            <a:blip r:embed="rId10"/>
+            <a:blip r:embed="rId9"/>
             <a:stretch>
               <a:fillRect/>
             </a:stretch>
@@ -4255,7 +4210,7 @@
             <p:nvPr/>
           </p:nvPicPr>
           <p:blipFill>
-            <a:blip r:embed="rId11">
+            <a:blip r:embed="rId10">
               <a:extLst>
                 <a:ext uri="{28A0092B-C50C-407E-A947-70E740481C1C}">
                   <a14:useLocalDpi xmlns:a14="http://schemas.microsoft.com/office/drawing/2010/main" val="0"/>
@@ -4302,7 +4257,7 @@
             <p:nvPr/>
           </p:nvPicPr>
           <p:blipFill>
-            <a:blip r:embed="rId12">
+            <a:blip r:embed="rId11">
               <a:extLst>
                 <a:ext uri="{28A0092B-C50C-407E-A947-70E740481C1C}">
                   <a14:useLocalDpi xmlns:a14="http://schemas.microsoft.com/office/drawing/2010/main" val="0"/>
@@ -4316,7 +4271,7 @@
           </p:blipFill>
           <p:spPr bwMode="auto">
             <a:xfrm>
-              <a:off x="6889346" y="3950537"/>
+              <a:off x="6917900" y="4468553"/>
               <a:ext cx="945243" cy="945243"/>
             </a:xfrm>
             <a:prstGeom prst="rect">
@@ -4537,7 +4492,7 @@
             <p:nvPr/>
           </p:nvPicPr>
           <p:blipFill>
-            <a:blip r:embed="rId13"/>
+            <a:blip r:embed="rId12"/>
             <a:stretch>
               <a:fillRect/>
             </a:stretch>
@@ -4662,7 +4617,7 @@
               <p:nvPr/>
             </p:nvPicPr>
             <p:blipFill rotWithShape="1">
-              <a:blip r:embed="rId14"/>
+              <a:blip r:embed="rId13"/>
               <a:srcRect l="2696" r="4109" b="23387"/>
               <a:stretch/>
             </p:blipFill>
@@ -4691,7 +4646,7 @@
               <p:nvPr/>
             </p:nvPicPr>
             <p:blipFill>
-              <a:blip r:embed="rId15"/>
+              <a:blip r:embed="rId14"/>
               <a:stretch>
                 <a:fillRect/>
               </a:stretch>
@@ -4954,7 +4909,7 @@
             <p:nvPr/>
           </p:nvPicPr>
           <p:blipFill>
-            <a:blip r:embed="rId16"/>
+            <a:blip r:embed="rId15"/>
             <a:stretch>
               <a:fillRect/>
             </a:stretch>
@@ -4970,6 +4925,100 @@
           </p:spPr>
         </p:pic>
       </p:grpSp>
+      <p:pic>
+        <p:nvPicPr>
+          <p:cNvPr id="4" name="Picture 4" descr="GitHub - python/cpython: The Python programming language">
+            <a:extLst>
+              <a:ext uri="{FF2B5EF4-FFF2-40B4-BE49-F238E27FC236}">
+                <a16:creationId xmlns:a16="http://schemas.microsoft.com/office/drawing/2014/main" id="{D96FEB64-CDEE-4338-82B6-F52F2CFF2547}"/>
+              </a:ext>
+            </a:extLst>
+          </p:cNvPr>
+          <p:cNvPicPr>
+            <a:picLocks noChangeAspect="1" noChangeArrowheads="1"/>
+          </p:cNvPicPr>
+          <p:nvPr/>
+        </p:nvPicPr>
+        <p:blipFill>
+          <a:blip r:embed="rId16">
+            <a:extLst>
+              <a:ext uri="{28A0092B-C50C-407E-A947-70E740481C1C}">
+                <a14:useLocalDpi xmlns:a14="http://schemas.microsoft.com/office/drawing/2010/main" val="0"/>
+              </a:ext>
+            </a:extLst>
+          </a:blip>
+          <a:srcRect/>
+          <a:stretch>
+            <a:fillRect/>
+          </a:stretch>
+        </p:blipFill>
+        <p:spPr bwMode="auto">
+          <a:xfrm>
+            <a:off x="7162773" y="3022121"/>
+            <a:ext cx="828358" cy="828358"/>
+          </a:xfrm>
+          <a:prstGeom prst="rect">
+            <a:avLst/>
+          </a:prstGeom>
+          <a:noFill/>
+          <a:extLst>
+            <a:ext uri="{909E8E84-426E-40DD-AFC4-6F175D3DCCD1}">
+              <a14:hiddenFill xmlns:a14="http://schemas.microsoft.com/office/drawing/2010/main">
+                <a:solidFill>
+                  <a:srgbClr val="FFFFFF"/>
+                </a:solidFill>
+              </a14:hiddenFill>
+            </a:ext>
+          </a:extLst>
+        </p:spPr>
+      </p:pic>
+      <p:pic>
+        <p:nvPicPr>
+          <p:cNvPr id="26" name="Picture 6" descr="Docker Registry UI">
+            <a:extLst>
+              <a:ext uri="{FF2B5EF4-FFF2-40B4-BE49-F238E27FC236}">
+                <a16:creationId xmlns:a16="http://schemas.microsoft.com/office/drawing/2014/main" id="{31427708-8520-4D8B-9257-567F0C6C6D79}"/>
+              </a:ext>
+            </a:extLst>
+          </p:cNvPr>
+          <p:cNvPicPr>
+            <a:picLocks noChangeAspect="1" noChangeArrowheads="1"/>
+          </p:cNvPicPr>
+          <p:nvPr/>
+        </p:nvPicPr>
+        <p:blipFill>
+          <a:blip r:embed="rId17">
+            <a:extLst>
+              <a:ext uri="{28A0092B-C50C-407E-A947-70E740481C1C}">
+                <a14:useLocalDpi xmlns:a14="http://schemas.microsoft.com/office/drawing/2010/main" val="0"/>
+              </a:ext>
+            </a:extLst>
+          </a:blip>
+          <a:srcRect/>
+          <a:stretch>
+            <a:fillRect/>
+          </a:stretch>
+        </p:blipFill>
+        <p:spPr bwMode="auto">
+          <a:xfrm>
+            <a:off x="9409679" y="4774395"/>
+            <a:ext cx="952500" cy="714375"/>
+          </a:xfrm>
+          <a:prstGeom prst="rect">
+            <a:avLst/>
+          </a:prstGeom>
+          <a:noFill/>
+          <a:extLst>
+            <a:ext uri="{909E8E84-426E-40DD-AFC4-6F175D3DCCD1}">
+              <a14:hiddenFill xmlns:a14="http://schemas.microsoft.com/office/drawing/2010/main">
+                <a:solidFill>
+                  <a:srgbClr val="FFFFFF"/>
+                </a:solidFill>
+              </a14:hiddenFill>
+            </a:ext>
+          </a:extLst>
+        </p:spPr>
+      </p:pic>
     </p:spTree>
     <p:extLst>
       <p:ext uri="{BB962C8B-B14F-4D97-AF65-F5344CB8AC3E}">
